--- a/ppt 16-9/1143.免得关门外.pptx
+++ b/ppt 16-9/1143.免得关门外.pptx
@@ -129,7 +129,7 @@
           <p:cNvPr id="2" name="标题 1">
             <a:extLst>
               <a:ext uri="{FF2B5EF4-FFF2-40B4-BE49-F238E27FC236}">
-                <a16:creationId xmlns:a16="http://schemas.microsoft.com/office/drawing/2014/main" id="{98F22E7A-20E9-0372-41F1-F5A0C763AF7D}"/>
+                <a16:creationId xmlns:a16="http://schemas.microsoft.com/office/drawing/2014/main" id="{B3CE61D9-7271-81D2-235D-8D5E787C5D4E}"/>
               </a:ext>
             </a:extLst>
           </p:cNvPr>
@@ -166,7 +166,7 @@
           <p:cNvPr id="3" name="副标题 2">
             <a:extLst>
               <a:ext uri="{FF2B5EF4-FFF2-40B4-BE49-F238E27FC236}">
-                <a16:creationId xmlns:a16="http://schemas.microsoft.com/office/drawing/2014/main" id="{D4C38562-C0DE-2970-9884-54D789F1D3CE}"/>
+                <a16:creationId xmlns:a16="http://schemas.microsoft.com/office/drawing/2014/main" id="{344793DC-D94A-E23D-4015-8423F7208C46}"/>
               </a:ext>
             </a:extLst>
           </p:cNvPr>
@@ -236,7 +236,7 @@
           <p:cNvPr id="4" name="日期占位符 3">
             <a:extLst>
               <a:ext uri="{FF2B5EF4-FFF2-40B4-BE49-F238E27FC236}">
-                <a16:creationId xmlns:a16="http://schemas.microsoft.com/office/drawing/2014/main" id="{6847BD3E-F87C-8AC1-E342-6FC3A3086B1D}"/>
+                <a16:creationId xmlns:a16="http://schemas.microsoft.com/office/drawing/2014/main" id="{99FCA689-EF2D-2FA7-EE4D-7E9801A97BA5}"/>
               </a:ext>
             </a:extLst>
           </p:cNvPr>
@@ -252,7 +252,7 @@
           <a:bodyPr/>
           <a:lstStyle/>
           <a:p>
-            <a:fld id="{50828029-494B-4179-B0FC-E3EE49D1354A}" type="datetimeFigureOut">
+            <a:fld id="{00359A7A-0EB7-4A1B-9D33-FAD57958F0A5}" type="datetimeFigureOut">
               <a:rPr lang="zh-CN" altLang="en-US" smtClean="0"/>
               <a:t>2024/3/10</a:t>
             </a:fld>
@@ -265,7 +265,7 @@
           <p:cNvPr id="5" name="页脚占位符 4">
             <a:extLst>
               <a:ext uri="{FF2B5EF4-FFF2-40B4-BE49-F238E27FC236}">
-                <a16:creationId xmlns:a16="http://schemas.microsoft.com/office/drawing/2014/main" id="{138D9D92-9FF6-4EBB-14A9-EA024453ED49}"/>
+                <a16:creationId xmlns:a16="http://schemas.microsoft.com/office/drawing/2014/main" id="{AA37E4B3-9330-E46B-7A0F-12A64965F56C}"/>
               </a:ext>
             </a:extLst>
           </p:cNvPr>
@@ -290,7 +290,7 @@
           <p:cNvPr id="6" name="灯片编号占位符 5">
             <a:extLst>
               <a:ext uri="{FF2B5EF4-FFF2-40B4-BE49-F238E27FC236}">
-                <a16:creationId xmlns:a16="http://schemas.microsoft.com/office/drawing/2014/main" id="{20363D6B-DCA3-8705-FB0B-A23A22AAE535}"/>
+                <a16:creationId xmlns:a16="http://schemas.microsoft.com/office/drawing/2014/main" id="{26362CCD-4829-7AA6-1B99-1AE7900CF667}"/>
               </a:ext>
             </a:extLst>
           </p:cNvPr>
@@ -306,7 +306,7 @@
           <a:bodyPr/>
           <a:lstStyle/>
           <a:p>
-            <a:fld id="{BCC9D95B-5EA1-4FDF-89A0-90544C434B1C}" type="slidenum">
+            <a:fld id="{B1A1BAE0-AAD9-4974-A490-90DFADA4D60C}" type="slidenum">
               <a:rPr lang="zh-CN" altLang="en-US" smtClean="0"/>
               <a:t>‹#›</a:t>
             </a:fld>
@@ -317,7 +317,7 @@
     </p:spTree>
     <p:extLst>
       <p:ext uri="{BB962C8B-B14F-4D97-AF65-F5344CB8AC3E}">
-        <p14:creationId xmlns:p14="http://schemas.microsoft.com/office/powerpoint/2010/main" val="135724830"/>
+        <p14:creationId xmlns:p14="http://schemas.microsoft.com/office/powerpoint/2010/main" val="1743738282"/>
       </p:ext>
     </p:extLst>
   </p:cSld>
@@ -349,7 +349,7 @@
           <p:cNvPr id="2" name="标题 1">
             <a:extLst>
               <a:ext uri="{FF2B5EF4-FFF2-40B4-BE49-F238E27FC236}">
-                <a16:creationId xmlns:a16="http://schemas.microsoft.com/office/drawing/2014/main" id="{23817A54-AFB0-5692-937E-8605B5E85FEF}"/>
+                <a16:creationId xmlns:a16="http://schemas.microsoft.com/office/drawing/2014/main" id="{0979814C-3580-C9A8-8481-8E3F7B51AFC4}"/>
               </a:ext>
             </a:extLst>
           </p:cNvPr>
@@ -377,7 +377,7 @@
           <p:cNvPr id="3" name="竖排文字占位符 2">
             <a:extLst>
               <a:ext uri="{FF2B5EF4-FFF2-40B4-BE49-F238E27FC236}">
-                <a16:creationId xmlns:a16="http://schemas.microsoft.com/office/drawing/2014/main" id="{19BC25AD-5076-67F5-7B05-3A64DF5BEAFB}"/>
+                <a16:creationId xmlns:a16="http://schemas.microsoft.com/office/drawing/2014/main" id="{5BE94632-3270-B5F9-46B9-96E43F101C8F}"/>
               </a:ext>
             </a:extLst>
           </p:cNvPr>
@@ -434,7 +434,7 @@
           <p:cNvPr id="4" name="日期占位符 3">
             <a:extLst>
               <a:ext uri="{FF2B5EF4-FFF2-40B4-BE49-F238E27FC236}">
-                <a16:creationId xmlns:a16="http://schemas.microsoft.com/office/drawing/2014/main" id="{101A012B-221F-8BC2-DCA3-FFD77382C4BE}"/>
+                <a16:creationId xmlns:a16="http://schemas.microsoft.com/office/drawing/2014/main" id="{058047C8-7C3D-2FAC-1CE3-7AF5E91A1D8A}"/>
               </a:ext>
             </a:extLst>
           </p:cNvPr>
@@ -450,7 +450,7 @@
           <a:bodyPr/>
           <a:lstStyle/>
           <a:p>
-            <a:fld id="{50828029-494B-4179-B0FC-E3EE49D1354A}" type="datetimeFigureOut">
+            <a:fld id="{00359A7A-0EB7-4A1B-9D33-FAD57958F0A5}" type="datetimeFigureOut">
               <a:rPr lang="zh-CN" altLang="en-US" smtClean="0"/>
               <a:t>2024/3/10</a:t>
             </a:fld>
@@ -463,7 +463,7 @@
           <p:cNvPr id="5" name="页脚占位符 4">
             <a:extLst>
               <a:ext uri="{FF2B5EF4-FFF2-40B4-BE49-F238E27FC236}">
-                <a16:creationId xmlns:a16="http://schemas.microsoft.com/office/drawing/2014/main" id="{3D45159F-6B98-1CC5-393B-6CDFDA95F864}"/>
+                <a16:creationId xmlns:a16="http://schemas.microsoft.com/office/drawing/2014/main" id="{9D4FD1E8-271D-3DC3-9046-C10344BF2A66}"/>
               </a:ext>
             </a:extLst>
           </p:cNvPr>
@@ -488,7 +488,7 @@
           <p:cNvPr id="6" name="灯片编号占位符 5">
             <a:extLst>
               <a:ext uri="{FF2B5EF4-FFF2-40B4-BE49-F238E27FC236}">
-                <a16:creationId xmlns:a16="http://schemas.microsoft.com/office/drawing/2014/main" id="{EE4C06A5-145C-A83A-4120-379D8176CB53}"/>
+                <a16:creationId xmlns:a16="http://schemas.microsoft.com/office/drawing/2014/main" id="{0CE0F642-CD3E-2AB0-2AE5-50E96F60A69E}"/>
               </a:ext>
             </a:extLst>
           </p:cNvPr>
@@ -504,7 +504,7 @@
           <a:bodyPr/>
           <a:lstStyle/>
           <a:p>
-            <a:fld id="{BCC9D95B-5EA1-4FDF-89A0-90544C434B1C}" type="slidenum">
+            <a:fld id="{B1A1BAE0-AAD9-4974-A490-90DFADA4D60C}" type="slidenum">
               <a:rPr lang="zh-CN" altLang="en-US" smtClean="0"/>
               <a:t>‹#›</a:t>
             </a:fld>
@@ -515,7 +515,7 @@
     </p:spTree>
     <p:extLst>
       <p:ext uri="{BB962C8B-B14F-4D97-AF65-F5344CB8AC3E}">
-        <p14:creationId xmlns:p14="http://schemas.microsoft.com/office/powerpoint/2010/main" val="528177033"/>
+        <p14:creationId xmlns:p14="http://schemas.microsoft.com/office/powerpoint/2010/main" val="3031287471"/>
       </p:ext>
     </p:extLst>
   </p:cSld>
@@ -547,7 +547,7 @@
           <p:cNvPr id="2" name="竖排标题 1">
             <a:extLst>
               <a:ext uri="{FF2B5EF4-FFF2-40B4-BE49-F238E27FC236}">
-                <a16:creationId xmlns:a16="http://schemas.microsoft.com/office/drawing/2014/main" id="{46400A13-3776-71CF-5B57-2DE26FAC3603}"/>
+                <a16:creationId xmlns:a16="http://schemas.microsoft.com/office/drawing/2014/main" id="{AD45D1B6-2D68-2F0D-A895-8EDFC45B7E71}"/>
               </a:ext>
             </a:extLst>
           </p:cNvPr>
@@ -580,7 +580,7 @@
           <p:cNvPr id="3" name="竖排文字占位符 2">
             <a:extLst>
               <a:ext uri="{FF2B5EF4-FFF2-40B4-BE49-F238E27FC236}">
-                <a16:creationId xmlns:a16="http://schemas.microsoft.com/office/drawing/2014/main" id="{67CBA492-775F-D226-8193-CBD026E91B52}"/>
+                <a16:creationId xmlns:a16="http://schemas.microsoft.com/office/drawing/2014/main" id="{BB751B35-A34A-F6C7-365D-67D3C7693BA9}"/>
               </a:ext>
             </a:extLst>
           </p:cNvPr>
@@ -642,7 +642,7 @@
           <p:cNvPr id="4" name="日期占位符 3">
             <a:extLst>
               <a:ext uri="{FF2B5EF4-FFF2-40B4-BE49-F238E27FC236}">
-                <a16:creationId xmlns:a16="http://schemas.microsoft.com/office/drawing/2014/main" id="{C5DE18A3-B46C-4A9C-1DED-4D85E949D68B}"/>
+                <a16:creationId xmlns:a16="http://schemas.microsoft.com/office/drawing/2014/main" id="{C5083F16-710B-A4BC-F6A0-13061A5A6641}"/>
               </a:ext>
             </a:extLst>
           </p:cNvPr>
@@ -658,7 +658,7 @@
           <a:bodyPr/>
           <a:lstStyle/>
           <a:p>
-            <a:fld id="{50828029-494B-4179-B0FC-E3EE49D1354A}" type="datetimeFigureOut">
+            <a:fld id="{00359A7A-0EB7-4A1B-9D33-FAD57958F0A5}" type="datetimeFigureOut">
               <a:rPr lang="zh-CN" altLang="en-US" smtClean="0"/>
               <a:t>2024/3/10</a:t>
             </a:fld>
@@ -671,7 +671,7 @@
           <p:cNvPr id="5" name="页脚占位符 4">
             <a:extLst>
               <a:ext uri="{FF2B5EF4-FFF2-40B4-BE49-F238E27FC236}">
-                <a16:creationId xmlns:a16="http://schemas.microsoft.com/office/drawing/2014/main" id="{E76D1A59-30A1-7F08-1755-ED67109F6D7C}"/>
+                <a16:creationId xmlns:a16="http://schemas.microsoft.com/office/drawing/2014/main" id="{E117607F-CB38-41D2-E91F-232519AD5E80}"/>
               </a:ext>
             </a:extLst>
           </p:cNvPr>
@@ -696,7 +696,7 @@
           <p:cNvPr id="6" name="灯片编号占位符 5">
             <a:extLst>
               <a:ext uri="{FF2B5EF4-FFF2-40B4-BE49-F238E27FC236}">
-                <a16:creationId xmlns:a16="http://schemas.microsoft.com/office/drawing/2014/main" id="{BE598895-F669-0754-65EA-2CA23D412531}"/>
+                <a16:creationId xmlns:a16="http://schemas.microsoft.com/office/drawing/2014/main" id="{6FD78344-8AF0-E1FA-3ECA-B431A0CA09A1}"/>
               </a:ext>
             </a:extLst>
           </p:cNvPr>
@@ -712,7 +712,7 @@
           <a:bodyPr/>
           <a:lstStyle/>
           <a:p>
-            <a:fld id="{BCC9D95B-5EA1-4FDF-89A0-90544C434B1C}" type="slidenum">
+            <a:fld id="{B1A1BAE0-AAD9-4974-A490-90DFADA4D60C}" type="slidenum">
               <a:rPr lang="zh-CN" altLang="en-US" smtClean="0"/>
               <a:t>‹#›</a:t>
             </a:fld>
@@ -723,7 +723,7 @@
     </p:spTree>
     <p:extLst>
       <p:ext uri="{BB962C8B-B14F-4D97-AF65-F5344CB8AC3E}">
-        <p14:creationId xmlns:p14="http://schemas.microsoft.com/office/powerpoint/2010/main" val="2861637516"/>
+        <p14:creationId xmlns:p14="http://schemas.microsoft.com/office/powerpoint/2010/main" val="717013909"/>
       </p:ext>
     </p:extLst>
   </p:cSld>
@@ -755,7 +755,7 @@
           <p:cNvPr id="2" name="标题 1">
             <a:extLst>
               <a:ext uri="{FF2B5EF4-FFF2-40B4-BE49-F238E27FC236}">
-                <a16:creationId xmlns:a16="http://schemas.microsoft.com/office/drawing/2014/main" id="{1663E1C2-5ED3-9299-32D8-04B565FCFCDF}"/>
+                <a16:creationId xmlns:a16="http://schemas.microsoft.com/office/drawing/2014/main" id="{2D4F5268-F7C8-718F-213F-5610FF7018E2}"/>
               </a:ext>
             </a:extLst>
           </p:cNvPr>
@@ -783,7 +783,7 @@
           <p:cNvPr id="3" name="内容占位符 2">
             <a:extLst>
               <a:ext uri="{FF2B5EF4-FFF2-40B4-BE49-F238E27FC236}">
-                <a16:creationId xmlns:a16="http://schemas.microsoft.com/office/drawing/2014/main" id="{9A928C9F-5984-4166-831B-6A30BB5A6319}"/>
+                <a16:creationId xmlns:a16="http://schemas.microsoft.com/office/drawing/2014/main" id="{72D84A4A-3146-A517-EEE5-E8A023B0371C}"/>
               </a:ext>
             </a:extLst>
           </p:cNvPr>
@@ -840,7 +840,7 @@
           <p:cNvPr id="4" name="日期占位符 3">
             <a:extLst>
               <a:ext uri="{FF2B5EF4-FFF2-40B4-BE49-F238E27FC236}">
-                <a16:creationId xmlns:a16="http://schemas.microsoft.com/office/drawing/2014/main" id="{59AA3263-F3E8-ADFB-0FB0-B4042E685C13}"/>
+                <a16:creationId xmlns:a16="http://schemas.microsoft.com/office/drawing/2014/main" id="{EFCA563D-2D46-CCEB-0342-7B810B0395EE}"/>
               </a:ext>
             </a:extLst>
           </p:cNvPr>
@@ -856,7 +856,7 @@
           <a:bodyPr/>
           <a:lstStyle/>
           <a:p>
-            <a:fld id="{50828029-494B-4179-B0FC-E3EE49D1354A}" type="datetimeFigureOut">
+            <a:fld id="{00359A7A-0EB7-4A1B-9D33-FAD57958F0A5}" type="datetimeFigureOut">
               <a:rPr lang="zh-CN" altLang="en-US" smtClean="0"/>
               <a:t>2024/3/10</a:t>
             </a:fld>
@@ -869,7 +869,7 @@
           <p:cNvPr id="5" name="页脚占位符 4">
             <a:extLst>
               <a:ext uri="{FF2B5EF4-FFF2-40B4-BE49-F238E27FC236}">
-                <a16:creationId xmlns:a16="http://schemas.microsoft.com/office/drawing/2014/main" id="{8EF5A586-9E39-1C67-0510-E323482EC1C1}"/>
+                <a16:creationId xmlns:a16="http://schemas.microsoft.com/office/drawing/2014/main" id="{BAFEF88C-FE18-152C-35CF-E06F54BE51B5}"/>
               </a:ext>
             </a:extLst>
           </p:cNvPr>
@@ -894,7 +894,7 @@
           <p:cNvPr id="6" name="灯片编号占位符 5">
             <a:extLst>
               <a:ext uri="{FF2B5EF4-FFF2-40B4-BE49-F238E27FC236}">
-                <a16:creationId xmlns:a16="http://schemas.microsoft.com/office/drawing/2014/main" id="{3189DA1C-47EE-BEC1-8558-3AF32DE85D7C}"/>
+                <a16:creationId xmlns:a16="http://schemas.microsoft.com/office/drawing/2014/main" id="{DD4EB304-D515-6ACA-0E91-1A6D41A40020}"/>
               </a:ext>
             </a:extLst>
           </p:cNvPr>
@@ -910,7 +910,7 @@
           <a:bodyPr/>
           <a:lstStyle/>
           <a:p>
-            <a:fld id="{BCC9D95B-5EA1-4FDF-89A0-90544C434B1C}" type="slidenum">
+            <a:fld id="{B1A1BAE0-AAD9-4974-A490-90DFADA4D60C}" type="slidenum">
               <a:rPr lang="zh-CN" altLang="en-US" smtClean="0"/>
               <a:t>‹#›</a:t>
             </a:fld>
@@ -921,7 +921,7 @@
     </p:spTree>
     <p:extLst>
       <p:ext uri="{BB962C8B-B14F-4D97-AF65-F5344CB8AC3E}">
-        <p14:creationId xmlns:p14="http://schemas.microsoft.com/office/powerpoint/2010/main" val="1700074828"/>
+        <p14:creationId xmlns:p14="http://schemas.microsoft.com/office/powerpoint/2010/main" val="2595942527"/>
       </p:ext>
     </p:extLst>
   </p:cSld>
@@ -953,7 +953,7 @@
           <p:cNvPr id="2" name="标题 1">
             <a:extLst>
               <a:ext uri="{FF2B5EF4-FFF2-40B4-BE49-F238E27FC236}">
-                <a16:creationId xmlns:a16="http://schemas.microsoft.com/office/drawing/2014/main" id="{0B373E71-93D5-2349-98C0-C00D6C3E189C}"/>
+                <a16:creationId xmlns:a16="http://schemas.microsoft.com/office/drawing/2014/main" id="{B087E2C6-629A-5FD4-7A6D-5B0293AE0EE4}"/>
               </a:ext>
             </a:extLst>
           </p:cNvPr>
@@ -990,7 +990,7 @@
           <p:cNvPr id="3" name="文本占位符 2">
             <a:extLst>
               <a:ext uri="{FF2B5EF4-FFF2-40B4-BE49-F238E27FC236}">
-                <a16:creationId xmlns:a16="http://schemas.microsoft.com/office/drawing/2014/main" id="{44C9421E-FB8D-6F9A-2691-A6753072A837}"/>
+                <a16:creationId xmlns:a16="http://schemas.microsoft.com/office/drawing/2014/main" id="{839EEDCB-0EAB-CD57-6BC6-FC07643A9EA3}"/>
               </a:ext>
             </a:extLst>
           </p:cNvPr>
@@ -1115,7 +1115,7 @@
           <p:cNvPr id="4" name="日期占位符 3">
             <a:extLst>
               <a:ext uri="{FF2B5EF4-FFF2-40B4-BE49-F238E27FC236}">
-                <a16:creationId xmlns:a16="http://schemas.microsoft.com/office/drawing/2014/main" id="{588EC910-3872-7174-E0B9-5F30D4744306}"/>
+                <a16:creationId xmlns:a16="http://schemas.microsoft.com/office/drawing/2014/main" id="{766AA71E-6224-5A16-AED9-AD06A3EC4770}"/>
               </a:ext>
             </a:extLst>
           </p:cNvPr>
@@ -1131,7 +1131,7 @@
           <a:bodyPr/>
           <a:lstStyle/>
           <a:p>
-            <a:fld id="{50828029-494B-4179-B0FC-E3EE49D1354A}" type="datetimeFigureOut">
+            <a:fld id="{00359A7A-0EB7-4A1B-9D33-FAD57958F0A5}" type="datetimeFigureOut">
               <a:rPr lang="zh-CN" altLang="en-US" smtClean="0"/>
               <a:t>2024/3/10</a:t>
             </a:fld>
@@ -1144,7 +1144,7 @@
           <p:cNvPr id="5" name="页脚占位符 4">
             <a:extLst>
               <a:ext uri="{FF2B5EF4-FFF2-40B4-BE49-F238E27FC236}">
-                <a16:creationId xmlns:a16="http://schemas.microsoft.com/office/drawing/2014/main" id="{5B655F59-3220-ADE8-79C5-E466E745D43D}"/>
+                <a16:creationId xmlns:a16="http://schemas.microsoft.com/office/drawing/2014/main" id="{F0794A0B-64F1-D246-7F5D-458F5F78E58E}"/>
               </a:ext>
             </a:extLst>
           </p:cNvPr>
@@ -1169,7 +1169,7 @@
           <p:cNvPr id="6" name="灯片编号占位符 5">
             <a:extLst>
               <a:ext uri="{FF2B5EF4-FFF2-40B4-BE49-F238E27FC236}">
-                <a16:creationId xmlns:a16="http://schemas.microsoft.com/office/drawing/2014/main" id="{793CBBB0-208C-2E2D-899A-547C92E2AE3B}"/>
+                <a16:creationId xmlns:a16="http://schemas.microsoft.com/office/drawing/2014/main" id="{7FE91DE9-087A-9949-9D97-BCCFEAC4BBC2}"/>
               </a:ext>
             </a:extLst>
           </p:cNvPr>
@@ -1185,7 +1185,7 @@
           <a:bodyPr/>
           <a:lstStyle/>
           <a:p>
-            <a:fld id="{BCC9D95B-5EA1-4FDF-89A0-90544C434B1C}" type="slidenum">
+            <a:fld id="{B1A1BAE0-AAD9-4974-A490-90DFADA4D60C}" type="slidenum">
               <a:rPr lang="zh-CN" altLang="en-US" smtClean="0"/>
               <a:t>‹#›</a:t>
             </a:fld>
@@ -1196,7 +1196,7 @@
     </p:spTree>
     <p:extLst>
       <p:ext uri="{BB962C8B-B14F-4D97-AF65-F5344CB8AC3E}">
-        <p14:creationId xmlns:p14="http://schemas.microsoft.com/office/powerpoint/2010/main" val="1869612859"/>
+        <p14:creationId xmlns:p14="http://schemas.microsoft.com/office/powerpoint/2010/main" val="262166004"/>
       </p:ext>
     </p:extLst>
   </p:cSld>
@@ -1228,7 +1228,7 @@
           <p:cNvPr id="2" name="标题 1">
             <a:extLst>
               <a:ext uri="{FF2B5EF4-FFF2-40B4-BE49-F238E27FC236}">
-                <a16:creationId xmlns:a16="http://schemas.microsoft.com/office/drawing/2014/main" id="{78C0BB1E-D7DA-FD19-815A-F5F01AFE847F}"/>
+                <a16:creationId xmlns:a16="http://schemas.microsoft.com/office/drawing/2014/main" id="{0F89F651-D591-82BD-182A-C52285E85744}"/>
               </a:ext>
             </a:extLst>
           </p:cNvPr>
@@ -1256,7 +1256,7 @@
           <p:cNvPr id="3" name="内容占位符 2">
             <a:extLst>
               <a:ext uri="{FF2B5EF4-FFF2-40B4-BE49-F238E27FC236}">
-                <a16:creationId xmlns:a16="http://schemas.microsoft.com/office/drawing/2014/main" id="{67732B17-D2BA-29F9-847F-1A688C98FC34}"/>
+                <a16:creationId xmlns:a16="http://schemas.microsoft.com/office/drawing/2014/main" id="{68C0734B-9907-92EC-6DE8-6421CE9AD193}"/>
               </a:ext>
             </a:extLst>
           </p:cNvPr>
@@ -1318,7 +1318,7 @@
           <p:cNvPr id="4" name="内容占位符 3">
             <a:extLst>
               <a:ext uri="{FF2B5EF4-FFF2-40B4-BE49-F238E27FC236}">
-                <a16:creationId xmlns:a16="http://schemas.microsoft.com/office/drawing/2014/main" id="{8D733508-EADA-2F66-CEAF-F82817250230}"/>
+                <a16:creationId xmlns:a16="http://schemas.microsoft.com/office/drawing/2014/main" id="{AA348ECC-01E9-BCB7-55C1-39F5FF5FD930}"/>
               </a:ext>
             </a:extLst>
           </p:cNvPr>
@@ -1380,7 +1380,7 @@
           <p:cNvPr id="5" name="日期占位符 4">
             <a:extLst>
               <a:ext uri="{FF2B5EF4-FFF2-40B4-BE49-F238E27FC236}">
-                <a16:creationId xmlns:a16="http://schemas.microsoft.com/office/drawing/2014/main" id="{58E3A819-994A-FC14-45D1-49304DBE0486}"/>
+                <a16:creationId xmlns:a16="http://schemas.microsoft.com/office/drawing/2014/main" id="{068CC59A-06EA-9BCC-7B4E-4C34948AA384}"/>
               </a:ext>
             </a:extLst>
           </p:cNvPr>
@@ -1396,7 +1396,7 @@
           <a:bodyPr/>
           <a:lstStyle/>
           <a:p>
-            <a:fld id="{50828029-494B-4179-B0FC-E3EE49D1354A}" type="datetimeFigureOut">
+            <a:fld id="{00359A7A-0EB7-4A1B-9D33-FAD57958F0A5}" type="datetimeFigureOut">
               <a:rPr lang="zh-CN" altLang="en-US" smtClean="0"/>
               <a:t>2024/3/10</a:t>
             </a:fld>
@@ -1409,7 +1409,7 @@
           <p:cNvPr id="6" name="页脚占位符 5">
             <a:extLst>
               <a:ext uri="{FF2B5EF4-FFF2-40B4-BE49-F238E27FC236}">
-                <a16:creationId xmlns:a16="http://schemas.microsoft.com/office/drawing/2014/main" id="{4841A4E0-7AA6-C715-9F67-D2EEAC96CD4E}"/>
+                <a16:creationId xmlns:a16="http://schemas.microsoft.com/office/drawing/2014/main" id="{C19A7FFE-61FE-0DEE-335F-90697FED2E14}"/>
               </a:ext>
             </a:extLst>
           </p:cNvPr>
@@ -1434,7 +1434,7 @@
           <p:cNvPr id="7" name="灯片编号占位符 6">
             <a:extLst>
               <a:ext uri="{FF2B5EF4-FFF2-40B4-BE49-F238E27FC236}">
-                <a16:creationId xmlns:a16="http://schemas.microsoft.com/office/drawing/2014/main" id="{0A73B5E4-E326-4999-2E1B-A538D5C7628C}"/>
+                <a16:creationId xmlns:a16="http://schemas.microsoft.com/office/drawing/2014/main" id="{6086232D-3C6D-DCCB-DBE5-6AEB50DA6DE6}"/>
               </a:ext>
             </a:extLst>
           </p:cNvPr>
@@ -1450,7 +1450,7 @@
           <a:bodyPr/>
           <a:lstStyle/>
           <a:p>
-            <a:fld id="{BCC9D95B-5EA1-4FDF-89A0-90544C434B1C}" type="slidenum">
+            <a:fld id="{B1A1BAE0-AAD9-4974-A490-90DFADA4D60C}" type="slidenum">
               <a:rPr lang="zh-CN" altLang="en-US" smtClean="0"/>
               <a:t>‹#›</a:t>
             </a:fld>
@@ -1461,7 +1461,7 @@
     </p:spTree>
     <p:extLst>
       <p:ext uri="{BB962C8B-B14F-4D97-AF65-F5344CB8AC3E}">
-        <p14:creationId xmlns:p14="http://schemas.microsoft.com/office/powerpoint/2010/main" val="1396486306"/>
+        <p14:creationId xmlns:p14="http://schemas.microsoft.com/office/powerpoint/2010/main" val="778409928"/>
       </p:ext>
     </p:extLst>
   </p:cSld>
@@ -1493,7 +1493,7 @@
           <p:cNvPr id="2" name="标题 1">
             <a:extLst>
               <a:ext uri="{FF2B5EF4-FFF2-40B4-BE49-F238E27FC236}">
-                <a16:creationId xmlns:a16="http://schemas.microsoft.com/office/drawing/2014/main" id="{67015AEF-35EA-657B-3E44-44BBFAFB3450}"/>
+                <a16:creationId xmlns:a16="http://schemas.microsoft.com/office/drawing/2014/main" id="{FAEC1499-21EC-B7E9-EA33-D322AEC2C9B4}"/>
               </a:ext>
             </a:extLst>
           </p:cNvPr>
@@ -1526,7 +1526,7 @@
           <p:cNvPr id="3" name="文本占位符 2">
             <a:extLst>
               <a:ext uri="{FF2B5EF4-FFF2-40B4-BE49-F238E27FC236}">
-                <a16:creationId xmlns:a16="http://schemas.microsoft.com/office/drawing/2014/main" id="{D91278B8-B1B3-1121-2C57-7DE9B315DD79}"/>
+                <a16:creationId xmlns:a16="http://schemas.microsoft.com/office/drawing/2014/main" id="{EF112D8E-B61F-B93A-F7D1-89E05F429401}"/>
               </a:ext>
             </a:extLst>
           </p:cNvPr>
@@ -1597,7 +1597,7 @@
           <p:cNvPr id="4" name="内容占位符 3">
             <a:extLst>
               <a:ext uri="{FF2B5EF4-FFF2-40B4-BE49-F238E27FC236}">
-                <a16:creationId xmlns:a16="http://schemas.microsoft.com/office/drawing/2014/main" id="{3BA20EFB-1681-12D1-9B0C-24353FD3D784}"/>
+                <a16:creationId xmlns:a16="http://schemas.microsoft.com/office/drawing/2014/main" id="{12453594-C5E9-5E6B-B5DB-AC5A91BEC7EE}"/>
               </a:ext>
             </a:extLst>
           </p:cNvPr>
@@ -1659,7 +1659,7 @@
           <p:cNvPr id="5" name="文本占位符 4">
             <a:extLst>
               <a:ext uri="{FF2B5EF4-FFF2-40B4-BE49-F238E27FC236}">
-                <a16:creationId xmlns:a16="http://schemas.microsoft.com/office/drawing/2014/main" id="{886BA386-F0C8-806F-2EAE-FC1A6A8B2EFA}"/>
+                <a16:creationId xmlns:a16="http://schemas.microsoft.com/office/drawing/2014/main" id="{B082C8DC-703A-36A8-BEDB-E31BD4F6DBA1}"/>
               </a:ext>
             </a:extLst>
           </p:cNvPr>
@@ -1730,7 +1730,7 @@
           <p:cNvPr id="6" name="内容占位符 5">
             <a:extLst>
               <a:ext uri="{FF2B5EF4-FFF2-40B4-BE49-F238E27FC236}">
-                <a16:creationId xmlns:a16="http://schemas.microsoft.com/office/drawing/2014/main" id="{B38AEA54-8AFB-3DD3-D944-19F4B4879632}"/>
+                <a16:creationId xmlns:a16="http://schemas.microsoft.com/office/drawing/2014/main" id="{7B0F6EA9-BD6A-3AD0-84A7-B56073C45169}"/>
               </a:ext>
             </a:extLst>
           </p:cNvPr>
@@ -1792,7 +1792,7 @@
           <p:cNvPr id="7" name="日期占位符 6">
             <a:extLst>
               <a:ext uri="{FF2B5EF4-FFF2-40B4-BE49-F238E27FC236}">
-                <a16:creationId xmlns:a16="http://schemas.microsoft.com/office/drawing/2014/main" id="{100C10F6-55C1-F3EF-82EC-0CEE8D13E10E}"/>
+                <a16:creationId xmlns:a16="http://schemas.microsoft.com/office/drawing/2014/main" id="{066AFD6D-7E0A-DB6C-2CB1-833D6478D13F}"/>
               </a:ext>
             </a:extLst>
           </p:cNvPr>
@@ -1808,7 +1808,7 @@
           <a:bodyPr/>
           <a:lstStyle/>
           <a:p>
-            <a:fld id="{50828029-494B-4179-B0FC-E3EE49D1354A}" type="datetimeFigureOut">
+            <a:fld id="{00359A7A-0EB7-4A1B-9D33-FAD57958F0A5}" type="datetimeFigureOut">
               <a:rPr lang="zh-CN" altLang="en-US" smtClean="0"/>
               <a:t>2024/3/10</a:t>
             </a:fld>
@@ -1821,7 +1821,7 @@
           <p:cNvPr id="8" name="页脚占位符 7">
             <a:extLst>
               <a:ext uri="{FF2B5EF4-FFF2-40B4-BE49-F238E27FC236}">
-                <a16:creationId xmlns:a16="http://schemas.microsoft.com/office/drawing/2014/main" id="{313B88A6-0437-E51C-2E15-69069C8C0503}"/>
+                <a16:creationId xmlns:a16="http://schemas.microsoft.com/office/drawing/2014/main" id="{035C975D-4F47-D19E-AE3A-4549A6750997}"/>
               </a:ext>
             </a:extLst>
           </p:cNvPr>
@@ -1846,7 +1846,7 @@
           <p:cNvPr id="9" name="灯片编号占位符 8">
             <a:extLst>
               <a:ext uri="{FF2B5EF4-FFF2-40B4-BE49-F238E27FC236}">
-                <a16:creationId xmlns:a16="http://schemas.microsoft.com/office/drawing/2014/main" id="{C486ED8D-356D-9AB7-6FB7-0312185428DB}"/>
+                <a16:creationId xmlns:a16="http://schemas.microsoft.com/office/drawing/2014/main" id="{4E71FB22-2D59-667A-87E3-808F5D9DB114}"/>
               </a:ext>
             </a:extLst>
           </p:cNvPr>
@@ -1862,7 +1862,7 @@
           <a:bodyPr/>
           <a:lstStyle/>
           <a:p>
-            <a:fld id="{BCC9D95B-5EA1-4FDF-89A0-90544C434B1C}" type="slidenum">
+            <a:fld id="{B1A1BAE0-AAD9-4974-A490-90DFADA4D60C}" type="slidenum">
               <a:rPr lang="zh-CN" altLang="en-US" smtClean="0"/>
               <a:t>‹#›</a:t>
             </a:fld>
@@ -1873,7 +1873,7 @@
     </p:spTree>
     <p:extLst>
       <p:ext uri="{BB962C8B-B14F-4D97-AF65-F5344CB8AC3E}">
-        <p14:creationId xmlns:p14="http://schemas.microsoft.com/office/powerpoint/2010/main" val="4175282314"/>
+        <p14:creationId xmlns:p14="http://schemas.microsoft.com/office/powerpoint/2010/main" val="1293965153"/>
       </p:ext>
     </p:extLst>
   </p:cSld>
@@ -1905,7 +1905,7 @@
           <p:cNvPr id="2" name="标题 1">
             <a:extLst>
               <a:ext uri="{FF2B5EF4-FFF2-40B4-BE49-F238E27FC236}">
-                <a16:creationId xmlns:a16="http://schemas.microsoft.com/office/drawing/2014/main" id="{68BFD198-D0B1-824E-D1B5-A1B88BD8E31E}"/>
+                <a16:creationId xmlns:a16="http://schemas.microsoft.com/office/drawing/2014/main" id="{2BEB919C-DD96-799B-625B-874CBB8C14DE}"/>
               </a:ext>
             </a:extLst>
           </p:cNvPr>
@@ -1933,7 +1933,7 @@
           <p:cNvPr id="3" name="日期占位符 2">
             <a:extLst>
               <a:ext uri="{FF2B5EF4-FFF2-40B4-BE49-F238E27FC236}">
-                <a16:creationId xmlns:a16="http://schemas.microsoft.com/office/drawing/2014/main" id="{F557505D-06A1-F7D6-2EAF-07E10C5C82AB}"/>
+                <a16:creationId xmlns:a16="http://schemas.microsoft.com/office/drawing/2014/main" id="{F7719713-3407-A3B4-2C37-478E35813FDA}"/>
               </a:ext>
             </a:extLst>
           </p:cNvPr>
@@ -1949,7 +1949,7 @@
           <a:bodyPr/>
           <a:lstStyle/>
           <a:p>
-            <a:fld id="{50828029-494B-4179-B0FC-E3EE49D1354A}" type="datetimeFigureOut">
+            <a:fld id="{00359A7A-0EB7-4A1B-9D33-FAD57958F0A5}" type="datetimeFigureOut">
               <a:rPr lang="zh-CN" altLang="en-US" smtClean="0"/>
               <a:t>2024/3/10</a:t>
             </a:fld>
@@ -1962,7 +1962,7 @@
           <p:cNvPr id="4" name="页脚占位符 3">
             <a:extLst>
               <a:ext uri="{FF2B5EF4-FFF2-40B4-BE49-F238E27FC236}">
-                <a16:creationId xmlns:a16="http://schemas.microsoft.com/office/drawing/2014/main" id="{FFCADB22-FCD1-C458-D302-6C888CE57622}"/>
+                <a16:creationId xmlns:a16="http://schemas.microsoft.com/office/drawing/2014/main" id="{2DF4E5AC-6F67-911B-495A-0FEEFE54412F}"/>
               </a:ext>
             </a:extLst>
           </p:cNvPr>
@@ -1987,7 +1987,7 @@
           <p:cNvPr id="5" name="灯片编号占位符 4">
             <a:extLst>
               <a:ext uri="{FF2B5EF4-FFF2-40B4-BE49-F238E27FC236}">
-                <a16:creationId xmlns:a16="http://schemas.microsoft.com/office/drawing/2014/main" id="{D3A53C4B-F9D6-3423-0A14-509AE5750CA6}"/>
+                <a16:creationId xmlns:a16="http://schemas.microsoft.com/office/drawing/2014/main" id="{60367F17-64BA-EB2E-E22F-F47854624044}"/>
               </a:ext>
             </a:extLst>
           </p:cNvPr>
@@ -2003,7 +2003,7 @@
           <a:bodyPr/>
           <a:lstStyle/>
           <a:p>
-            <a:fld id="{BCC9D95B-5EA1-4FDF-89A0-90544C434B1C}" type="slidenum">
+            <a:fld id="{B1A1BAE0-AAD9-4974-A490-90DFADA4D60C}" type="slidenum">
               <a:rPr lang="zh-CN" altLang="en-US" smtClean="0"/>
               <a:t>‹#›</a:t>
             </a:fld>
@@ -2014,7 +2014,7 @@
     </p:spTree>
     <p:extLst>
       <p:ext uri="{BB962C8B-B14F-4D97-AF65-F5344CB8AC3E}">
-        <p14:creationId xmlns:p14="http://schemas.microsoft.com/office/powerpoint/2010/main" val="3557172879"/>
+        <p14:creationId xmlns:p14="http://schemas.microsoft.com/office/powerpoint/2010/main" val="3339334947"/>
       </p:ext>
     </p:extLst>
   </p:cSld>
@@ -2046,7 +2046,7 @@
           <p:cNvPr id="2" name="日期占位符 1">
             <a:extLst>
               <a:ext uri="{FF2B5EF4-FFF2-40B4-BE49-F238E27FC236}">
-                <a16:creationId xmlns:a16="http://schemas.microsoft.com/office/drawing/2014/main" id="{062B2CC4-97BC-3CEB-0C3C-C82B5302B4AF}"/>
+                <a16:creationId xmlns:a16="http://schemas.microsoft.com/office/drawing/2014/main" id="{037CEAAC-8977-3CA9-2788-A11D3A69AD54}"/>
               </a:ext>
             </a:extLst>
           </p:cNvPr>
@@ -2062,7 +2062,7 @@
           <a:bodyPr/>
           <a:lstStyle/>
           <a:p>
-            <a:fld id="{50828029-494B-4179-B0FC-E3EE49D1354A}" type="datetimeFigureOut">
+            <a:fld id="{00359A7A-0EB7-4A1B-9D33-FAD57958F0A5}" type="datetimeFigureOut">
               <a:rPr lang="zh-CN" altLang="en-US" smtClean="0"/>
               <a:t>2024/3/10</a:t>
             </a:fld>
@@ -2075,7 +2075,7 @@
           <p:cNvPr id="3" name="页脚占位符 2">
             <a:extLst>
               <a:ext uri="{FF2B5EF4-FFF2-40B4-BE49-F238E27FC236}">
-                <a16:creationId xmlns:a16="http://schemas.microsoft.com/office/drawing/2014/main" id="{D370D2A3-5F8C-BB2C-7F1D-245F01921ADB}"/>
+                <a16:creationId xmlns:a16="http://schemas.microsoft.com/office/drawing/2014/main" id="{8A3E6C98-F183-43D2-84A3-4086108840B1}"/>
               </a:ext>
             </a:extLst>
           </p:cNvPr>
@@ -2100,7 +2100,7 @@
           <p:cNvPr id="4" name="灯片编号占位符 3">
             <a:extLst>
               <a:ext uri="{FF2B5EF4-FFF2-40B4-BE49-F238E27FC236}">
-                <a16:creationId xmlns:a16="http://schemas.microsoft.com/office/drawing/2014/main" id="{05689976-8EF1-2F0D-CF94-A5D869EC2D19}"/>
+                <a16:creationId xmlns:a16="http://schemas.microsoft.com/office/drawing/2014/main" id="{782D1586-C141-BA0B-0B68-C329BB7B78D0}"/>
               </a:ext>
             </a:extLst>
           </p:cNvPr>
@@ -2116,7 +2116,7 @@
           <a:bodyPr/>
           <a:lstStyle/>
           <a:p>
-            <a:fld id="{BCC9D95B-5EA1-4FDF-89A0-90544C434B1C}" type="slidenum">
+            <a:fld id="{B1A1BAE0-AAD9-4974-A490-90DFADA4D60C}" type="slidenum">
               <a:rPr lang="zh-CN" altLang="en-US" smtClean="0"/>
               <a:t>‹#›</a:t>
             </a:fld>
@@ -2127,7 +2127,7 @@
     </p:spTree>
     <p:extLst>
       <p:ext uri="{BB962C8B-B14F-4D97-AF65-F5344CB8AC3E}">
-        <p14:creationId xmlns:p14="http://schemas.microsoft.com/office/powerpoint/2010/main" val="1840441798"/>
+        <p14:creationId xmlns:p14="http://schemas.microsoft.com/office/powerpoint/2010/main" val="2777039440"/>
       </p:ext>
     </p:extLst>
   </p:cSld>
@@ -2159,7 +2159,7 @@
           <p:cNvPr id="2" name="标题 1">
             <a:extLst>
               <a:ext uri="{FF2B5EF4-FFF2-40B4-BE49-F238E27FC236}">
-                <a16:creationId xmlns:a16="http://schemas.microsoft.com/office/drawing/2014/main" id="{670119C9-79EA-0295-F66E-0567A6B4F9C4}"/>
+                <a16:creationId xmlns:a16="http://schemas.microsoft.com/office/drawing/2014/main" id="{A9D0E2F9-C218-6D26-873E-0F63091BDED8}"/>
               </a:ext>
             </a:extLst>
           </p:cNvPr>
@@ -2196,7 +2196,7 @@
           <p:cNvPr id="3" name="内容占位符 2">
             <a:extLst>
               <a:ext uri="{FF2B5EF4-FFF2-40B4-BE49-F238E27FC236}">
-                <a16:creationId xmlns:a16="http://schemas.microsoft.com/office/drawing/2014/main" id="{902B993E-010A-61C5-5CB7-7276408C16C3}"/>
+                <a16:creationId xmlns:a16="http://schemas.microsoft.com/office/drawing/2014/main" id="{085760C4-3443-CA34-87E0-9A90EDE3BF7E}"/>
               </a:ext>
             </a:extLst>
           </p:cNvPr>
@@ -2286,7 +2286,7 @@
           <p:cNvPr id="4" name="文本占位符 3">
             <a:extLst>
               <a:ext uri="{FF2B5EF4-FFF2-40B4-BE49-F238E27FC236}">
-                <a16:creationId xmlns:a16="http://schemas.microsoft.com/office/drawing/2014/main" id="{1A5FFE48-E5D3-C654-B9FD-57527F5C29FE}"/>
+                <a16:creationId xmlns:a16="http://schemas.microsoft.com/office/drawing/2014/main" id="{4721731E-48FA-4F8F-B11C-FF0A82CF21DA}"/>
               </a:ext>
             </a:extLst>
           </p:cNvPr>
@@ -2357,7 +2357,7 @@
           <p:cNvPr id="5" name="日期占位符 4">
             <a:extLst>
               <a:ext uri="{FF2B5EF4-FFF2-40B4-BE49-F238E27FC236}">
-                <a16:creationId xmlns:a16="http://schemas.microsoft.com/office/drawing/2014/main" id="{53EEDCEF-8685-0E39-659E-64B1CFF29255}"/>
+                <a16:creationId xmlns:a16="http://schemas.microsoft.com/office/drawing/2014/main" id="{D78AFB25-78ED-68CA-A3AB-69D209041C6D}"/>
               </a:ext>
             </a:extLst>
           </p:cNvPr>
@@ -2373,7 +2373,7 @@
           <a:bodyPr/>
           <a:lstStyle/>
           <a:p>
-            <a:fld id="{50828029-494B-4179-B0FC-E3EE49D1354A}" type="datetimeFigureOut">
+            <a:fld id="{00359A7A-0EB7-4A1B-9D33-FAD57958F0A5}" type="datetimeFigureOut">
               <a:rPr lang="zh-CN" altLang="en-US" smtClean="0"/>
               <a:t>2024/3/10</a:t>
             </a:fld>
@@ -2386,7 +2386,7 @@
           <p:cNvPr id="6" name="页脚占位符 5">
             <a:extLst>
               <a:ext uri="{FF2B5EF4-FFF2-40B4-BE49-F238E27FC236}">
-                <a16:creationId xmlns:a16="http://schemas.microsoft.com/office/drawing/2014/main" id="{90047A16-4508-0A3C-35A7-03E953DD75CC}"/>
+                <a16:creationId xmlns:a16="http://schemas.microsoft.com/office/drawing/2014/main" id="{32B312D5-255A-F4C1-144A-5EA66B5A768D}"/>
               </a:ext>
             </a:extLst>
           </p:cNvPr>
@@ -2411,7 +2411,7 @@
           <p:cNvPr id="7" name="灯片编号占位符 6">
             <a:extLst>
               <a:ext uri="{FF2B5EF4-FFF2-40B4-BE49-F238E27FC236}">
-                <a16:creationId xmlns:a16="http://schemas.microsoft.com/office/drawing/2014/main" id="{2E4CD56D-1167-9A67-2E80-F762A65FC325}"/>
+                <a16:creationId xmlns:a16="http://schemas.microsoft.com/office/drawing/2014/main" id="{1E4EB427-2C5D-58B8-08CF-CF322E6788B0}"/>
               </a:ext>
             </a:extLst>
           </p:cNvPr>
@@ -2427,7 +2427,7 @@
           <a:bodyPr/>
           <a:lstStyle/>
           <a:p>
-            <a:fld id="{BCC9D95B-5EA1-4FDF-89A0-90544C434B1C}" type="slidenum">
+            <a:fld id="{B1A1BAE0-AAD9-4974-A490-90DFADA4D60C}" type="slidenum">
               <a:rPr lang="zh-CN" altLang="en-US" smtClean="0"/>
               <a:t>‹#›</a:t>
             </a:fld>
@@ -2438,7 +2438,7 @@
     </p:spTree>
     <p:extLst>
       <p:ext uri="{BB962C8B-B14F-4D97-AF65-F5344CB8AC3E}">
-        <p14:creationId xmlns:p14="http://schemas.microsoft.com/office/powerpoint/2010/main" val="82778549"/>
+        <p14:creationId xmlns:p14="http://schemas.microsoft.com/office/powerpoint/2010/main" val="357607377"/>
       </p:ext>
     </p:extLst>
   </p:cSld>
@@ -2470,7 +2470,7 @@
           <p:cNvPr id="2" name="标题 1">
             <a:extLst>
               <a:ext uri="{FF2B5EF4-FFF2-40B4-BE49-F238E27FC236}">
-                <a16:creationId xmlns:a16="http://schemas.microsoft.com/office/drawing/2014/main" id="{2825F498-7634-3FA3-05D8-A41DB1CC64E4}"/>
+                <a16:creationId xmlns:a16="http://schemas.microsoft.com/office/drawing/2014/main" id="{832B4CC8-95BB-F456-0F96-62F3B21D87BA}"/>
               </a:ext>
             </a:extLst>
           </p:cNvPr>
@@ -2507,7 +2507,7 @@
           <p:cNvPr id="3" name="图片占位符 2">
             <a:extLst>
               <a:ext uri="{FF2B5EF4-FFF2-40B4-BE49-F238E27FC236}">
-                <a16:creationId xmlns:a16="http://schemas.microsoft.com/office/drawing/2014/main" id="{6F329DD4-4817-7FBB-ECB7-A1F88C822459}"/>
+                <a16:creationId xmlns:a16="http://schemas.microsoft.com/office/drawing/2014/main" id="{862501D6-A276-A1EA-5179-F3BF6B4BAE48}"/>
               </a:ext>
             </a:extLst>
           </p:cNvPr>
@@ -2574,7 +2574,7 @@
           <p:cNvPr id="4" name="文本占位符 3">
             <a:extLst>
               <a:ext uri="{FF2B5EF4-FFF2-40B4-BE49-F238E27FC236}">
-                <a16:creationId xmlns:a16="http://schemas.microsoft.com/office/drawing/2014/main" id="{BB32D667-0637-989D-1DDE-6746B36D6D3B}"/>
+                <a16:creationId xmlns:a16="http://schemas.microsoft.com/office/drawing/2014/main" id="{D2B7E12E-A83A-A1C8-7ED0-2D2C99F5BF9D}"/>
               </a:ext>
             </a:extLst>
           </p:cNvPr>
@@ -2645,7 +2645,7 @@
           <p:cNvPr id="5" name="日期占位符 4">
             <a:extLst>
               <a:ext uri="{FF2B5EF4-FFF2-40B4-BE49-F238E27FC236}">
-                <a16:creationId xmlns:a16="http://schemas.microsoft.com/office/drawing/2014/main" id="{5EF82916-6DA4-1742-F3DF-E07A38A6BFCE}"/>
+                <a16:creationId xmlns:a16="http://schemas.microsoft.com/office/drawing/2014/main" id="{D4D37ADB-7168-E3B0-41F0-8E2B60755308}"/>
               </a:ext>
             </a:extLst>
           </p:cNvPr>
@@ -2661,7 +2661,7 @@
           <a:bodyPr/>
           <a:lstStyle/>
           <a:p>
-            <a:fld id="{50828029-494B-4179-B0FC-E3EE49D1354A}" type="datetimeFigureOut">
+            <a:fld id="{00359A7A-0EB7-4A1B-9D33-FAD57958F0A5}" type="datetimeFigureOut">
               <a:rPr lang="zh-CN" altLang="en-US" smtClean="0"/>
               <a:t>2024/3/10</a:t>
             </a:fld>
@@ -2674,7 +2674,7 @@
           <p:cNvPr id="6" name="页脚占位符 5">
             <a:extLst>
               <a:ext uri="{FF2B5EF4-FFF2-40B4-BE49-F238E27FC236}">
-                <a16:creationId xmlns:a16="http://schemas.microsoft.com/office/drawing/2014/main" id="{9338C1DD-3F59-117F-8570-2E4A9D5319D7}"/>
+                <a16:creationId xmlns:a16="http://schemas.microsoft.com/office/drawing/2014/main" id="{C756AF6E-CB66-7DF9-6F96-A3862139EFBD}"/>
               </a:ext>
             </a:extLst>
           </p:cNvPr>
@@ -2699,7 +2699,7 @@
           <p:cNvPr id="7" name="灯片编号占位符 6">
             <a:extLst>
               <a:ext uri="{FF2B5EF4-FFF2-40B4-BE49-F238E27FC236}">
-                <a16:creationId xmlns:a16="http://schemas.microsoft.com/office/drawing/2014/main" id="{B73C150E-0AB3-9BCD-3D8E-8680DEBA4995}"/>
+                <a16:creationId xmlns:a16="http://schemas.microsoft.com/office/drawing/2014/main" id="{71534A68-ED5B-2D9A-562F-F275E4C6BED4}"/>
               </a:ext>
             </a:extLst>
           </p:cNvPr>
@@ -2715,7 +2715,7 @@
           <a:bodyPr/>
           <a:lstStyle/>
           <a:p>
-            <a:fld id="{BCC9D95B-5EA1-4FDF-89A0-90544C434B1C}" type="slidenum">
+            <a:fld id="{B1A1BAE0-AAD9-4974-A490-90DFADA4D60C}" type="slidenum">
               <a:rPr lang="zh-CN" altLang="en-US" smtClean="0"/>
               <a:t>‹#›</a:t>
             </a:fld>
@@ -2726,7 +2726,7 @@
     </p:spTree>
     <p:extLst>
       <p:ext uri="{BB962C8B-B14F-4D97-AF65-F5344CB8AC3E}">
-        <p14:creationId xmlns:p14="http://schemas.microsoft.com/office/powerpoint/2010/main" val="3544838401"/>
+        <p14:creationId xmlns:p14="http://schemas.microsoft.com/office/powerpoint/2010/main" val="429913429"/>
       </p:ext>
     </p:extLst>
   </p:cSld>
@@ -2763,7 +2763,7 @@
           <p:cNvPr id="2" name="标题占位符 1">
             <a:extLst>
               <a:ext uri="{FF2B5EF4-FFF2-40B4-BE49-F238E27FC236}">
-                <a16:creationId xmlns:a16="http://schemas.microsoft.com/office/drawing/2014/main" id="{5AA7E73D-E23E-1029-FFCE-99597B198E0C}"/>
+                <a16:creationId xmlns:a16="http://schemas.microsoft.com/office/drawing/2014/main" id="{607D2C41-11EF-266E-1EE1-E2A7F14CDE05}"/>
               </a:ext>
             </a:extLst>
           </p:cNvPr>
@@ -2801,7 +2801,7 @@
           <p:cNvPr id="3" name="文本占位符 2">
             <a:extLst>
               <a:ext uri="{FF2B5EF4-FFF2-40B4-BE49-F238E27FC236}">
-                <a16:creationId xmlns:a16="http://schemas.microsoft.com/office/drawing/2014/main" id="{C280218F-0418-967D-BC5D-F30F21E81E91}"/>
+                <a16:creationId xmlns:a16="http://schemas.microsoft.com/office/drawing/2014/main" id="{CE44B337-922A-0B7F-6D33-CA669FE7688C}"/>
               </a:ext>
             </a:extLst>
           </p:cNvPr>
@@ -2868,7 +2868,7 @@
           <p:cNvPr id="4" name="日期占位符 3">
             <a:extLst>
               <a:ext uri="{FF2B5EF4-FFF2-40B4-BE49-F238E27FC236}">
-                <a16:creationId xmlns:a16="http://schemas.microsoft.com/office/drawing/2014/main" id="{42EAFF47-26B9-5528-BF8F-D08ACA2E7630}"/>
+                <a16:creationId xmlns:a16="http://schemas.microsoft.com/office/drawing/2014/main" id="{568734C1-1F7E-96A4-1AD6-B164CDE936A9}"/>
               </a:ext>
             </a:extLst>
           </p:cNvPr>
@@ -2902,7 +2902,7 @@
             </a:lvl1pPr>
           </a:lstStyle>
           <a:p>
-            <a:fld id="{50828029-494B-4179-B0FC-E3EE49D1354A}" type="datetimeFigureOut">
+            <a:fld id="{00359A7A-0EB7-4A1B-9D33-FAD57958F0A5}" type="datetimeFigureOut">
               <a:rPr lang="zh-CN" altLang="en-US" smtClean="0"/>
               <a:t>2024/3/10</a:t>
             </a:fld>
@@ -2915,7 +2915,7 @@
           <p:cNvPr id="5" name="页脚占位符 4">
             <a:extLst>
               <a:ext uri="{FF2B5EF4-FFF2-40B4-BE49-F238E27FC236}">
-                <a16:creationId xmlns:a16="http://schemas.microsoft.com/office/drawing/2014/main" id="{8FAEC58C-A1E7-3153-3ED2-CD6722A90C21}"/>
+                <a16:creationId xmlns:a16="http://schemas.microsoft.com/office/drawing/2014/main" id="{E946E7D2-5509-FB7B-0847-7DD8EAC74C78}"/>
               </a:ext>
             </a:extLst>
           </p:cNvPr>
@@ -2958,7 +2958,7 @@
           <p:cNvPr id="6" name="灯片编号占位符 5">
             <a:extLst>
               <a:ext uri="{FF2B5EF4-FFF2-40B4-BE49-F238E27FC236}">
-                <a16:creationId xmlns:a16="http://schemas.microsoft.com/office/drawing/2014/main" id="{0110B916-C8DB-519C-87F8-EED6B6F3BEFB}"/>
+                <a16:creationId xmlns:a16="http://schemas.microsoft.com/office/drawing/2014/main" id="{869F54EA-E5A6-9F08-391D-76257C3777E9}"/>
               </a:ext>
             </a:extLst>
           </p:cNvPr>
@@ -2992,7 +2992,7 @@
             </a:lvl1pPr>
           </a:lstStyle>
           <a:p>
-            <a:fld id="{BCC9D95B-5EA1-4FDF-89A0-90544C434B1C}" type="slidenum">
+            <a:fld id="{B1A1BAE0-AAD9-4974-A490-90DFADA4D60C}" type="slidenum">
               <a:rPr lang="zh-CN" altLang="en-US" smtClean="0"/>
               <a:t>‹#›</a:t>
             </a:fld>
@@ -3003,7 +3003,7 @@
     </p:spTree>
     <p:extLst>
       <p:ext uri="{BB962C8B-B14F-4D97-AF65-F5344CB8AC3E}">
-        <p14:creationId xmlns:p14="http://schemas.microsoft.com/office/powerpoint/2010/main" val="1069134923"/>
+        <p14:creationId xmlns:p14="http://schemas.microsoft.com/office/powerpoint/2010/main" val="397037389"/>
       </p:ext>
     </p:extLst>
   </p:cSld>
